--- a/나만의 인공세포 만들기.pptx
+++ b/나만의 인공세포 만들기.pptx
@@ -5,7 +5,7 @@
     <p:sldMasterId id="2147483648" r:id="rId1"/>
   </p:sldMasterIdLst>
   <p:notesMasterIdLst>
-    <p:notesMasterId r:id="rId18"/>
+    <p:notesMasterId r:id="rId19"/>
   </p:notesMasterIdLst>
   <p:sldIdLst>
     <p:sldId id="256" r:id="rId2"/>
@@ -24,6 +24,7 @@
     <p:sldId id="263" r:id="rId15"/>
     <p:sldId id="275" r:id="rId16"/>
     <p:sldId id="276" r:id="rId17"/>
+    <p:sldId id="277" r:id="rId18"/>
   </p:sldIdLst>
   <p:sldSz cx="12192000" cy="6858000"/>
   <p:notesSz cx="6858000" cy="9144000"/>
@@ -212,7 +213,7 @@
           <a:p>
             <a:fld id="{FB105BDA-B952-4F47-B4FB-179F70C07D3F}" type="datetimeFigureOut">
               <a:rPr lang="ko-KR" altLang="en-US" smtClean="0"/>
-              <a:t>2019-02-21</a:t>
+              <a:t>2019-02-22</a:t>
             </a:fld>
             <a:endParaRPr lang="ko-KR" altLang="en-US"/>
           </a:p>
@@ -1067,6 +1068,90 @@
 </p:notes>
 </file>
 
+<file path=ppt/notesSlides/notesSlide8.xml><?xml version="1.0" encoding="utf-8"?>
+<p:notes xmlns:a="http://schemas.openxmlformats.org/drawingml/2006/main" xmlns:r="http://schemas.openxmlformats.org/officeDocument/2006/relationships" xmlns:p="http://schemas.openxmlformats.org/presentationml/2006/main">
+  <p:cSld>
+    <p:spTree>
+      <p:nvGrpSpPr>
+        <p:cNvPr id="1" name=""/>
+        <p:cNvGrpSpPr/>
+        <p:nvPr/>
+      </p:nvGrpSpPr>
+      <p:grpSpPr>
+        <a:xfrm>
+          <a:off x="0" y="0"/>
+          <a:ext cx="0" cy="0"/>
+          <a:chOff x="0" y="0"/>
+          <a:chExt cx="0" cy="0"/>
+        </a:xfrm>
+      </p:grpSpPr>
+      <p:sp>
+        <p:nvSpPr>
+          <p:cNvPr id="2" name="슬라이드 이미지 개체 틀 1"/>
+          <p:cNvSpPr>
+            <a:spLocks noGrp="1" noRot="1" noChangeAspect="1"/>
+          </p:cNvSpPr>
+          <p:nvPr>
+            <p:ph type="sldImg"/>
+          </p:nvPr>
+        </p:nvSpPr>
+        <p:spPr/>
+      </p:sp>
+      <p:sp>
+        <p:nvSpPr>
+          <p:cNvPr id="3" name="슬라이드 노트 개체 틀 2"/>
+          <p:cNvSpPr>
+            <a:spLocks noGrp="1"/>
+          </p:cNvSpPr>
+          <p:nvPr>
+            <p:ph type="body" idx="1"/>
+          </p:nvPr>
+        </p:nvSpPr>
+        <p:spPr/>
+        <p:txBody>
+          <a:bodyPr/>
+          <a:lstStyle/>
+          <a:p>
+            <a:endParaRPr lang="ko-KR" altLang="en-US" dirty="0"/>
+          </a:p>
+        </p:txBody>
+      </p:sp>
+      <p:sp>
+        <p:nvSpPr>
+          <p:cNvPr id="4" name="슬라이드 번호 개체 틀 3"/>
+          <p:cNvSpPr>
+            <a:spLocks noGrp="1"/>
+          </p:cNvSpPr>
+          <p:nvPr>
+            <p:ph type="sldNum" sz="quarter" idx="5"/>
+          </p:nvPr>
+        </p:nvSpPr>
+        <p:spPr/>
+        <p:txBody>
+          <a:bodyPr/>
+          <a:lstStyle/>
+          <a:p>
+            <a:fld id="{A09C4516-081E-4627-8086-EC4067AAC032}" type="slidenum">
+              <a:rPr lang="ko-KR" altLang="en-US" smtClean="0"/>
+              <a:t>17</a:t>
+            </a:fld>
+            <a:endParaRPr lang="ko-KR" altLang="en-US"/>
+          </a:p>
+        </p:txBody>
+      </p:sp>
+    </p:spTree>
+    <p:extLst>
+      <p:ext uri="{BB962C8B-B14F-4D97-AF65-F5344CB8AC3E}">
+        <p14:creationId xmlns:p14="http://schemas.microsoft.com/office/powerpoint/2010/main" val="3853213331"/>
+      </p:ext>
+    </p:extLst>
+  </p:cSld>
+  <p:clrMapOvr>
+    <a:masterClrMapping/>
+  </p:clrMapOvr>
+</p:notes>
+</file>
+
 <file path=ppt/slideLayouts/slideLayout1.xml><?xml version="1.0" encoding="utf-8"?>
 <p:sldLayout xmlns:a="http://schemas.openxmlformats.org/drawingml/2006/main" xmlns:r="http://schemas.openxmlformats.org/officeDocument/2006/relationships" xmlns:p="http://schemas.openxmlformats.org/presentationml/2006/main" type="title" preserve="1">
   <p:cSld name="제목 슬라이드">
@@ -1214,7 +1299,7 @@
           <a:p>
             <a:fld id="{7CA13DF6-D89E-4EFE-99E1-F666A91103E3}" type="datetimeFigureOut">
               <a:rPr lang="ko-KR" altLang="en-US" smtClean="0"/>
-              <a:t>2019-02-21</a:t>
+              <a:t>2019-02-22</a:t>
             </a:fld>
             <a:endParaRPr lang="ko-KR" altLang="en-US"/>
           </a:p>
@@ -1412,7 +1497,7 @@
           <a:p>
             <a:fld id="{7CA13DF6-D89E-4EFE-99E1-F666A91103E3}" type="datetimeFigureOut">
               <a:rPr lang="ko-KR" altLang="en-US" smtClean="0"/>
-              <a:t>2019-02-21</a:t>
+              <a:t>2019-02-22</a:t>
             </a:fld>
             <a:endParaRPr lang="ko-KR" altLang="en-US"/>
           </a:p>
@@ -1620,7 +1705,7 @@
           <a:p>
             <a:fld id="{7CA13DF6-D89E-4EFE-99E1-F666A91103E3}" type="datetimeFigureOut">
               <a:rPr lang="ko-KR" altLang="en-US" smtClean="0"/>
-              <a:t>2019-02-21</a:t>
+              <a:t>2019-02-22</a:t>
             </a:fld>
             <a:endParaRPr lang="ko-KR" altLang="en-US"/>
           </a:p>
@@ -1818,7 +1903,7 @@
           <a:p>
             <a:fld id="{7CA13DF6-D89E-4EFE-99E1-F666A91103E3}" type="datetimeFigureOut">
               <a:rPr lang="ko-KR" altLang="en-US" smtClean="0"/>
-              <a:t>2019-02-21</a:t>
+              <a:t>2019-02-22</a:t>
             </a:fld>
             <a:endParaRPr lang="ko-KR" altLang="en-US"/>
           </a:p>
@@ -2093,7 +2178,7 @@
           <a:p>
             <a:fld id="{7CA13DF6-D89E-4EFE-99E1-F666A91103E3}" type="datetimeFigureOut">
               <a:rPr lang="ko-KR" altLang="en-US" smtClean="0"/>
-              <a:t>2019-02-21</a:t>
+              <a:t>2019-02-22</a:t>
             </a:fld>
             <a:endParaRPr lang="ko-KR" altLang="en-US"/>
           </a:p>
@@ -2358,7 +2443,7 @@
           <a:p>
             <a:fld id="{7CA13DF6-D89E-4EFE-99E1-F666A91103E3}" type="datetimeFigureOut">
               <a:rPr lang="ko-KR" altLang="en-US" smtClean="0"/>
-              <a:t>2019-02-21</a:t>
+              <a:t>2019-02-22</a:t>
             </a:fld>
             <a:endParaRPr lang="ko-KR" altLang="en-US"/>
           </a:p>
@@ -2770,7 +2855,7 @@
           <a:p>
             <a:fld id="{7CA13DF6-D89E-4EFE-99E1-F666A91103E3}" type="datetimeFigureOut">
               <a:rPr lang="ko-KR" altLang="en-US" smtClean="0"/>
-              <a:t>2019-02-21</a:t>
+              <a:t>2019-02-22</a:t>
             </a:fld>
             <a:endParaRPr lang="ko-KR" altLang="en-US"/>
           </a:p>
@@ -2911,7 +2996,7 @@
           <a:p>
             <a:fld id="{7CA13DF6-D89E-4EFE-99E1-F666A91103E3}" type="datetimeFigureOut">
               <a:rPr lang="ko-KR" altLang="en-US" smtClean="0"/>
-              <a:t>2019-02-21</a:t>
+              <a:t>2019-02-22</a:t>
             </a:fld>
             <a:endParaRPr lang="ko-KR" altLang="en-US"/>
           </a:p>
@@ -3024,7 +3109,7 @@
           <a:p>
             <a:fld id="{7CA13DF6-D89E-4EFE-99E1-F666A91103E3}" type="datetimeFigureOut">
               <a:rPr lang="ko-KR" altLang="en-US" smtClean="0"/>
-              <a:t>2019-02-21</a:t>
+              <a:t>2019-02-22</a:t>
             </a:fld>
             <a:endParaRPr lang="ko-KR" altLang="en-US"/>
           </a:p>
@@ -3335,7 +3420,7 @@
           <a:p>
             <a:fld id="{7CA13DF6-D89E-4EFE-99E1-F666A91103E3}" type="datetimeFigureOut">
               <a:rPr lang="ko-KR" altLang="en-US" smtClean="0"/>
-              <a:t>2019-02-21</a:t>
+              <a:t>2019-02-22</a:t>
             </a:fld>
             <a:endParaRPr lang="ko-KR" altLang="en-US"/>
           </a:p>
@@ -3623,7 +3708,7 @@
           <a:p>
             <a:fld id="{7CA13DF6-D89E-4EFE-99E1-F666A91103E3}" type="datetimeFigureOut">
               <a:rPr lang="ko-KR" altLang="en-US" smtClean="0"/>
-              <a:t>2019-02-21</a:t>
+              <a:t>2019-02-22</a:t>
             </a:fld>
             <a:endParaRPr lang="ko-KR" altLang="en-US"/>
           </a:p>
@@ -3864,7 +3949,7 @@
           <a:p>
             <a:fld id="{7CA13DF6-D89E-4EFE-99E1-F666A91103E3}" type="datetimeFigureOut">
               <a:rPr lang="ko-KR" altLang="en-US" smtClean="0"/>
-              <a:t>2019-02-21</a:t>
+              <a:t>2019-02-22</a:t>
             </a:fld>
             <a:endParaRPr lang="ko-KR" altLang="en-US"/>
           </a:p>
@@ -6987,6 +7072,149 @@
 </p:sld>
 </file>
 
+<file path=ppt/slides/slide17.xml><?xml version="1.0" encoding="utf-8"?>
+<p:sld xmlns:a="http://schemas.openxmlformats.org/drawingml/2006/main" xmlns:r="http://schemas.openxmlformats.org/officeDocument/2006/relationships" xmlns:p="http://schemas.openxmlformats.org/presentationml/2006/main">
+  <p:cSld>
+    <p:spTree>
+      <p:nvGrpSpPr>
+        <p:cNvPr id="1" name=""/>
+        <p:cNvGrpSpPr/>
+        <p:nvPr/>
+      </p:nvGrpSpPr>
+      <p:grpSpPr>
+        <a:xfrm>
+          <a:off x="0" y="0"/>
+          <a:ext cx="0" cy="0"/>
+          <a:chOff x="0" y="0"/>
+          <a:chExt cx="0" cy="0"/>
+        </a:xfrm>
+      </p:grpSpPr>
+      <p:sp>
+        <p:nvSpPr>
+          <p:cNvPr id="2" name="제목 1">
+            <a:extLst>
+              <a:ext uri="{FF2B5EF4-FFF2-40B4-BE49-F238E27FC236}">
+                <a16:creationId xmlns:a16="http://schemas.microsoft.com/office/drawing/2014/main" id="{5D364CCF-C577-4065-94C4-E7A9D843265A}"/>
+              </a:ext>
+            </a:extLst>
+          </p:cNvPr>
+          <p:cNvSpPr>
+            <a:spLocks noGrp="1"/>
+          </p:cNvSpPr>
+          <p:nvPr>
+            <p:ph type="title"/>
+          </p:nvPr>
+        </p:nvSpPr>
+        <p:spPr/>
+        <p:txBody>
+          <a:bodyPr/>
+          <a:lstStyle/>
+          <a:p>
+            <a:r>
+              <a:rPr lang="ko-KR" altLang="en-US" dirty="0"/>
+              <a:t>코드 실습</a:t>
+            </a:r>
+          </a:p>
+        </p:txBody>
+      </p:sp>
+      <p:sp>
+        <p:nvSpPr>
+          <p:cNvPr id="3" name="내용 개체 틀 2">
+            <a:extLst>
+              <a:ext uri="{FF2B5EF4-FFF2-40B4-BE49-F238E27FC236}">
+                <a16:creationId xmlns:a16="http://schemas.microsoft.com/office/drawing/2014/main" id="{CAB98651-DE18-487E-9FC3-3259C63C26C0}"/>
+              </a:ext>
+            </a:extLst>
+          </p:cNvPr>
+          <p:cNvSpPr>
+            <a:spLocks noGrp="1"/>
+          </p:cNvSpPr>
+          <p:nvPr>
+            <p:ph idx="1"/>
+          </p:nvPr>
+        </p:nvSpPr>
+        <p:spPr/>
+        <p:txBody>
+          <a:bodyPr/>
+          <a:lstStyle/>
+          <a:p>
+            <a:endParaRPr lang="ko-KR" altLang="en-US"/>
+          </a:p>
+        </p:txBody>
+      </p:sp>
+      <p:pic>
+        <p:nvPicPr>
+          <p:cNvPr id="5" name="그림 4">
+            <a:extLst>
+              <a:ext uri="{FF2B5EF4-FFF2-40B4-BE49-F238E27FC236}">
+                <a16:creationId xmlns:a16="http://schemas.microsoft.com/office/drawing/2014/main" id="{47724F1F-C900-498C-984A-022DDB07409B}"/>
+              </a:ext>
+            </a:extLst>
+          </p:cNvPr>
+          <p:cNvPicPr>
+            <a:picLocks noChangeAspect="1"/>
+          </p:cNvPicPr>
+          <p:nvPr/>
+        </p:nvPicPr>
+        <p:blipFill>
+          <a:blip r:embed="rId3"/>
+          <a:stretch>
+            <a:fillRect/>
+          </a:stretch>
+        </p:blipFill>
+        <p:spPr>
+          <a:xfrm>
+            <a:off x="838200" y="1327944"/>
+            <a:ext cx="9144000" cy="4953000"/>
+          </a:xfrm>
+          <a:prstGeom prst="rect">
+            <a:avLst/>
+          </a:prstGeom>
+        </p:spPr>
+      </p:pic>
+      <p:pic>
+        <p:nvPicPr>
+          <p:cNvPr id="6" name="그림 5">
+            <a:extLst>
+              <a:ext uri="{FF2B5EF4-FFF2-40B4-BE49-F238E27FC236}">
+                <a16:creationId xmlns:a16="http://schemas.microsoft.com/office/drawing/2014/main" id="{DC930A1D-2629-48A2-B6AA-0308E6B6B0B5}"/>
+              </a:ext>
+            </a:extLst>
+          </p:cNvPr>
+          <p:cNvPicPr>
+            <a:picLocks noChangeAspect="1"/>
+          </p:cNvPicPr>
+          <p:nvPr/>
+        </p:nvPicPr>
+        <p:blipFill>
+          <a:blip r:embed="rId4"/>
+          <a:stretch>
+            <a:fillRect/>
+          </a:stretch>
+        </p:blipFill>
+        <p:spPr>
+          <a:xfrm>
+            <a:off x="6334125" y="2837656"/>
+            <a:ext cx="5019675" cy="3443288"/>
+          </a:xfrm>
+          <a:prstGeom prst="rect">
+            <a:avLst/>
+          </a:prstGeom>
+        </p:spPr>
+      </p:pic>
+    </p:spTree>
+    <p:extLst>
+      <p:ext uri="{BB962C8B-B14F-4D97-AF65-F5344CB8AC3E}">
+        <p14:creationId xmlns:p14="http://schemas.microsoft.com/office/powerpoint/2010/main" val="986547205"/>
+      </p:ext>
+    </p:extLst>
+  </p:cSld>
+  <p:clrMapOvr>
+    <a:masterClrMapping/>
+  </p:clrMapOvr>
+</p:sld>
+</file>
+
 <file path=ppt/slides/slide2.xml><?xml version="1.0" encoding="utf-8"?>
 <p:sld xmlns:a="http://schemas.openxmlformats.org/drawingml/2006/main" xmlns:r="http://schemas.openxmlformats.org/officeDocument/2006/relationships" xmlns:p="http://schemas.openxmlformats.org/presentationml/2006/main">
   <p:cSld>
